--- a/QRWay.pptx
+++ b/QRWay.pptx
@@ -11,7 +11,8 @@
     <p:sldId id="259" r:id="rId5"/>
     <p:sldId id="260" r:id="rId6"/>
     <p:sldId id="262" r:id="rId7"/>
-    <p:sldId id="261" r:id="rId8"/>
+    <p:sldId id="263" r:id="rId8"/>
+    <p:sldId id="261" r:id="rId9"/>
   </p:sldIdLst>
   <p:sldSz cx="12192000" cy="6858000"/>
   <p:notesSz cx="6858000" cy="9144000"/>
@@ -125,10 +126,14 @@
           <p14:sldIdLst>
             <p14:sldId id="260"/>
             <p14:sldId id="262"/>
+            <p14:sldId id="263"/>
             <p14:sldId id="261"/>
           </p14:sldIdLst>
         </p14:section>
       </p14:sectionLst>
+    </p:ext>
+    <p:ext uri="{EFAFB233-063F-42B5-8137-9DF3F51BA10A}">
+      <p15:sldGuideLst xmlns:p15="http://schemas.microsoft.com/office/powerpoint/2012/main"/>
     </p:ext>
   </p:extLst>
 </p:presentation>
@@ -3476,7 +3481,27 @@
           <a:bodyPr/>
           <a:lstStyle/>
           <a:p>
-            <a:endParaRPr lang="ru-RU" dirty="0"/>
+            <a:r>
+              <a:rPr lang="en-US">
+                <a:solidFill>
+                  <a:schemeClr val="bg1"/>
+                </a:solidFill>
+              </a:rPr>
+              <a:t>by. </a:t>
+            </a:r>
+            <a:r>
+              <a:rPr lang="en-US" dirty="0">
+                <a:solidFill>
+                  <a:schemeClr val="bg1"/>
+                </a:solidFill>
+              </a:rPr>
+              <a:t>SSD Squad</a:t>
+            </a:r>
+            <a:endParaRPr lang="ru-RU" dirty="0">
+              <a:solidFill>
+                <a:schemeClr val="bg1"/>
+              </a:solidFill>
+            </a:endParaRPr>
           </a:p>
         </p:txBody>
       </p:sp>
@@ -5765,6 +5790,335 @@
 </file>
 
 <file path=ppt/slides/slide7.xml><?xml version="1.0" encoding="utf-8"?>
+<p:sld xmlns:a="http://schemas.openxmlformats.org/drawingml/2006/main" xmlns:r="http://schemas.openxmlformats.org/officeDocument/2006/relationships" xmlns:p="http://schemas.openxmlformats.org/presentationml/2006/main">
+  <p:cSld>
+    <p:bg>
+      <p:bgPr>
+        <a:solidFill>
+          <a:schemeClr val="tx1">
+            <a:lumMod val="85000"/>
+            <a:lumOff val="15000"/>
+          </a:schemeClr>
+        </a:solidFill>
+        <a:effectLst/>
+      </p:bgPr>
+    </p:bg>
+    <p:spTree>
+      <p:nvGrpSpPr>
+        <p:cNvPr id="1" name=""/>
+        <p:cNvGrpSpPr/>
+        <p:nvPr/>
+      </p:nvGrpSpPr>
+      <p:grpSpPr>
+        <a:xfrm>
+          <a:off x="0" y="0"/>
+          <a:ext cx="0" cy="0"/>
+          <a:chOff x="0" y="0"/>
+          <a:chExt cx="0" cy="0"/>
+        </a:xfrm>
+      </p:grpSpPr>
+      <p:sp>
+        <p:nvSpPr>
+          <p:cNvPr id="2" name="Заголовок 1">
+            <a:extLst>
+              <a:ext uri="{FF2B5EF4-FFF2-40B4-BE49-F238E27FC236}">
+                <a16:creationId xmlns:a16="http://schemas.microsoft.com/office/drawing/2014/main" id="{7F8E2B73-9F2B-48B3-B9ED-A671489DA39D}"/>
+              </a:ext>
+            </a:extLst>
+          </p:cNvPr>
+          <p:cNvSpPr>
+            <a:spLocks noGrp="1"/>
+          </p:cNvSpPr>
+          <p:nvPr>
+            <p:ph type="title"/>
+          </p:nvPr>
+        </p:nvSpPr>
+        <p:spPr/>
+        <p:txBody>
+          <a:bodyPr/>
+          <a:lstStyle/>
+          <a:p>
+            <a:pPr algn="ctr"/>
+            <a:r>
+              <a:rPr lang="ru-RU" b="1" i="1" dirty="0">
+                <a:solidFill>
+                  <a:schemeClr val="bg1"/>
+                </a:solidFill>
+                <a:latin typeface="Arial Black" panose="020B0A04020102020204" pitchFamily="34" charset="0"/>
+              </a:rPr>
+              <a:t>Сам сайт</a:t>
+            </a:r>
+          </a:p>
+        </p:txBody>
+      </p:sp>
+      <p:sp>
+        <p:nvSpPr>
+          <p:cNvPr id="4" name="Равнобедренный треугольник 3">
+            <a:extLst>
+              <a:ext uri="{FF2B5EF4-FFF2-40B4-BE49-F238E27FC236}">
+                <a16:creationId xmlns:a16="http://schemas.microsoft.com/office/drawing/2014/main" id="{11E5195C-ED01-45B0-89F9-362572C65366}"/>
+              </a:ext>
+            </a:extLst>
+          </p:cNvPr>
+          <p:cNvSpPr/>
+          <p:nvPr/>
+        </p:nvSpPr>
+        <p:spPr>
+          <a:xfrm rot="1920193">
+            <a:off x="1814789" y="-2282636"/>
+            <a:ext cx="16036386" cy="15263905"/>
+          </a:xfrm>
+          <a:prstGeom prst="triangle">
+            <a:avLst/>
+          </a:prstGeom>
+          <a:solidFill>
+            <a:schemeClr val="tx1">
+              <a:lumMod val="95000"/>
+              <a:lumOff val="5000"/>
+            </a:schemeClr>
+          </a:solidFill>
+          <a:ln>
+            <a:solidFill>
+              <a:schemeClr val="tx1"/>
+            </a:solidFill>
+          </a:ln>
+        </p:spPr>
+        <p:style>
+          <a:lnRef idx="2">
+            <a:schemeClr val="accent1">
+              <a:shade val="50000"/>
+            </a:schemeClr>
+          </a:lnRef>
+          <a:fillRef idx="1">
+            <a:schemeClr val="accent1"/>
+          </a:fillRef>
+          <a:effectRef idx="0">
+            <a:schemeClr val="accent1"/>
+          </a:effectRef>
+          <a:fontRef idx="minor">
+            <a:schemeClr val="lt1"/>
+          </a:fontRef>
+        </p:style>
+        <p:txBody>
+          <a:bodyPr rtlCol="0" anchor="ctr"/>
+          <a:lstStyle/>
+          <a:p>
+            <a:pPr algn="ctr"/>
+            <a:endParaRPr lang="ru-RU" dirty="0"/>
+          </a:p>
+        </p:txBody>
+      </p:sp>
+      <p:sp>
+        <p:nvSpPr>
+          <p:cNvPr id="8" name="Облако 7">
+            <a:extLst>
+              <a:ext uri="{FF2B5EF4-FFF2-40B4-BE49-F238E27FC236}">
+                <a16:creationId xmlns:a16="http://schemas.microsoft.com/office/drawing/2014/main" id="{68BA0F1C-4270-40D7-BE62-487EBBB91304}"/>
+              </a:ext>
+            </a:extLst>
+          </p:cNvPr>
+          <p:cNvSpPr/>
+          <p:nvPr/>
+        </p:nvSpPr>
+        <p:spPr>
+          <a:xfrm>
+            <a:off x="2549769" y="6119654"/>
+            <a:ext cx="3446585" cy="1960477"/>
+          </a:xfrm>
+          <a:prstGeom prst="cloud">
+            <a:avLst/>
+          </a:prstGeom>
+          <a:solidFill>
+            <a:schemeClr val="bg1"/>
+          </a:solidFill>
+          <a:ln>
+            <a:solidFill>
+              <a:schemeClr val="bg1"/>
+            </a:solidFill>
+          </a:ln>
+        </p:spPr>
+        <p:style>
+          <a:lnRef idx="2">
+            <a:schemeClr val="accent1">
+              <a:shade val="50000"/>
+            </a:schemeClr>
+          </a:lnRef>
+          <a:fillRef idx="1">
+            <a:schemeClr val="accent1"/>
+          </a:fillRef>
+          <a:effectRef idx="0">
+            <a:schemeClr val="accent1"/>
+          </a:effectRef>
+          <a:fontRef idx="minor">
+            <a:schemeClr val="lt1"/>
+          </a:fontRef>
+        </p:style>
+        <p:txBody>
+          <a:bodyPr rtlCol="0" anchor="ctr"/>
+          <a:lstStyle/>
+          <a:p>
+            <a:pPr algn="ctr"/>
+            <a:endParaRPr lang="ru-RU"/>
+          </a:p>
+        </p:txBody>
+      </p:sp>
+      <p:sp>
+        <p:nvSpPr>
+          <p:cNvPr id="12" name="Облако 11">
+            <a:extLst>
+              <a:ext uri="{FF2B5EF4-FFF2-40B4-BE49-F238E27FC236}">
+                <a16:creationId xmlns:a16="http://schemas.microsoft.com/office/drawing/2014/main" id="{9C6F3E3D-70A1-4BA7-B61D-F5E186593F0E}"/>
+              </a:ext>
+            </a:extLst>
+          </p:cNvPr>
+          <p:cNvSpPr/>
+          <p:nvPr/>
+        </p:nvSpPr>
+        <p:spPr>
+          <a:xfrm>
+            <a:off x="7325457" y="3651947"/>
+            <a:ext cx="3446585" cy="1960477"/>
+          </a:xfrm>
+          <a:prstGeom prst="cloud">
+            <a:avLst/>
+          </a:prstGeom>
+          <a:solidFill>
+            <a:schemeClr val="bg1"/>
+          </a:solidFill>
+          <a:ln>
+            <a:solidFill>
+              <a:schemeClr val="bg1"/>
+            </a:solidFill>
+          </a:ln>
+        </p:spPr>
+        <p:style>
+          <a:lnRef idx="2">
+            <a:schemeClr val="accent1">
+              <a:shade val="50000"/>
+            </a:schemeClr>
+          </a:lnRef>
+          <a:fillRef idx="1">
+            <a:schemeClr val="accent1"/>
+          </a:fillRef>
+          <a:effectRef idx="0">
+            <a:schemeClr val="accent1"/>
+          </a:effectRef>
+          <a:fontRef idx="minor">
+            <a:schemeClr val="lt1"/>
+          </a:fontRef>
+        </p:style>
+        <p:txBody>
+          <a:bodyPr rtlCol="0" anchor="ctr"/>
+          <a:lstStyle/>
+          <a:p>
+            <a:pPr algn="ctr"/>
+            <a:endParaRPr lang="ru-RU"/>
+          </a:p>
+        </p:txBody>
+      </p:sp>
+      <p:pic>
+        <p:nvPicPr>
+          <p:cNvPr id="7" name="Объект 6">
+            <a:extLst>
+              <a:ext uri="{FF2B5EF4-FFF2-40B4-BE49-F238E27FC236}">
+                <a16:creationId xmlns:a16="http://schemas.microsoft.com/office/drawing/2014/main" id="{07FF8268-0D27-441F-8506-1273532B73B4}"/>
+              </a:ext>
+            </a:extLst>
+          </p:cNvPr>
+          <p:cNvPicPr>
+            <a:picLocks noGrp="1" noChangeAspect="1"/>
+          </p:cNvPicPr>
+          <p:nvPr>
+            <p:ph idx="1"/>
+          </p:nvPr>
+        </p:nvPicPr>
+        <p:blipFill>
+          <a:blip r:embed="rId2">
+            <a:extLst>
+              <a:ext uri="{28A0092B-C50C-407E-A947-70E740481C1C}">
+                <a14:useLocalDpi xmlns:a14="http://schemas.microsoft.com/office/drawing/2010/main" val="0"/>
+              </a:ext>
+            </a:extLst>
+          </a:blip>
+          <a:stretch>
+            <a:fillRect/>
+          </a:stretch>
+        </p:blipFill>
+        <p:spPr>
+          <a:xfrm>
+            <a:off x="3143250" y="1882934"/>
+            <a:ext cx="5905500" cy="4236720"/>
+          </a:xfrm>
+        </p:spPr>
+      </p:pic>
+      <p:sp>
+        <p:nvSpPr>
+          <p:cNvPr id="14" name="Облако 13">
+            <a:extLst>
+              <a:ext uri="{FF2B5EF4-FFF2-40B4-BE49-F238E27FC236}">
+                <a16:creationId xmlns:a16="http://schemas.microsoft.com/office/drawing/2014/main" id="{E13D7EE7-177D-435E-B072-54B67BCA337C}"/>
+              </a:ext>
+            </a:extLst>
+          </p:cNvPr>
+          <p:cNvSpPr/>
+          <p:nvPr/>
+        </p:nvSpPr>
+        <p:spPr>
+          <a:xfrm>
+            <a:off x="11947281" y="1468523"/>
+            <a:ext cx="3446585" cy="1960477"/>
+          </a:xfrm>
+          <a:prstGeom prst="cloud">
+            <a:avLst/>
+          </a:prstGeom>
+          <a:solidFill>
+            <a:schemeClr val="bg1"/>
+          </a:solidFill>
+          <a:ln>
+            <a:solidFill>
+              <a:schemeClr val="bg1"/>
+            </a:solidFill>
+          </a:ln>
+        </p:spPr>
+        <p:style>
+          <a:lnRef idx="2">
+            <a:schemeClr val="accent1">
+              <a:shade val="50000"/>
+            </a:schemeClr>
+          </a:lnRef>
+          <a:fillRef idx="1">
+            <a:schemeClr val="accent1"/>
+          </a:fillRef>
+          <a:effectRef idx="0">
+            <a:schemeClr val="accent1"/>
+          </a:effectRef>
+          <a:fontRef idx="minor">
+            <a:schemeClr val="lt1"/>
+          </a:fontRef>
+        </p:style>
+        <p:txBody>
+          <a:bodyPr rtlCol="0" anchor="ctr"/>
+          <a:lstStyle/>
+          <a:p>
+            <a:pPr algn="ctr"/>
+            <a:endParaRPr lang="ru-RU"/>
+          </a:p>
+        </p:txBody>
+      </p:sp>
+    </p:spTree>
+    <p:extLst>
+      <p:ext uri="{BB962C8B-B14F-4D97-AF65-F5344CB8AC3E}">
+        <p14:creationId xmlns:p14="http://schemas.microsoft.com/office/powerpoint/2010/main" val="2964620138"/>
+      </p:ext>
+    </p:extLst>
+  </p:cSld>
+  <p:clrMapOvr>
+    <a:masterClrMapping/>
+  </p:clrMapOvr>
+</p:sld>
+</file>
+
+<file path=ppt/slides/slide8.xml><?xml version="1.0" encoding="utf-8"?>
 <p:sld xmlns:a="http://schemas.openxmlformats.org/drawingml/2006/main" xmlns:r="http://schemas.openxmlformats.org/officeDocument/2006/relationships" xmlns:p="http://schemas.openxmlformats.org/presentationml/2006/main">
   <p:cSld>
     <p:bg>

--- a/QRWay.pptx
+++ b/QRWay.pptx
@@ -4597,12 +4597,20 @@
               <a:buChar char="•"/>
             </a:pPr>
             <a:r>
+              <a:rPr lang="ru-RU">
+                <a:solidFill>
+                  <a:schemeClr val="bg1"/>
+                </a:solidFill>
+              </a:rPr>
+              <a:t>Микроконтроллер </a:t>
+            </a:r>
+            <a:r>
               <a:rPr lang="ru-RU" dirty="0">
                 <a:solidFill>
                   <a:schemeClr val="bg1"/>
                 </a:solidFill>
               </a:rPr>
-              <a:t>Плата ESP32</a:t>
+              <a:t>ESP32</a:t>
             </a:r>
           </a:p>
           <a:p>

--- a/QRWay.pptx
+++ b/QRWay.pptx
@@ -4597,42 +4597,34 @@
               <a:buChar char="•"/>
             </a:pPr>
             <a:r>
+              <a:rPr lang="ru-RU" dirty="0">
+                <a:solidFill>
+                  <a:schemeClr val="bg1"/>
+                </a:solidFill>
+              </a:rPr>
+              <a:t>Микроконтроллер ESP32</a:t>
+            </a:r>
+          </a:p>
+          <a:p>
+            <a:pPr>
+              <a:buFont typeface="Arial" panose="020B0604020202020204" pitchFamily="34" charset="0"/>
+              <a:buChar char="•"/>
+            </a:pPr>
+            <a:r>
+              <a:rPr lang="ru-RU" dirty="0">
+                <a:solidFill>
+                  <a:schemeClr val="bg1"/>
+                </a:solidFill>
+              </a:rPr>
+              <a:t>Телефон с </a:t>
+            </a:r>
+            <a:r>
               <a:rPr lang="ru-RU">
                 <a:solidFill>
                   <a:schemeClr val="bg1"/>
                 </a:solidFill>
               </a:rPr>
-              <a:t>Микроконтроллер </a:t>
-            </a:r>
-            <a:r>
-              <a:rPr lang="ru-RU" dirty="0">
-                <a:solidFill>
-                  <a:schemeClr val="bg1"/>
-                </a:solidFill>
-              </a:rPr>
-              <a:t>ESP32</a:t>
-            </a:r>
-          </a:p>
-          <a:p>
-            <a:pPr>
-              <a:buFont typeface="Arial" panose="020B0604020202020204" pitchFamily="34" charset="0"/>
-              <a:buChar char="•"/>
-            </a:pPr>
-            <a:r>
-              <a:rPr lang="ru-RU" dirty="0">
-                <a:solidFill>
-                  <a:schemeClr val="bg1"/>
-                </a:solidFill>
-              </a:rPr>
-              <a:t>Телефон с доступом </a:t>
-            </a:r>
-            <a:r>
-              <a:rPr lang="ru-RU" dirty="0" err="1">
-                <a:solidFill>
-                  <a:schemeClr val="bg1"/>
-                </a:solidFill>
-              </a:rPr>
-              <a:t>Wi</a:t>
+              <a:t>доступом к Wi</a:t>
             </a:r>
             <a:r>
               <a:rPr lang="ru-RU" dirty="0">

--- a/QRWay.pptx
+++ b/QRWay.pptx
@@ -4616,15 +4616,15 @@
                   <a:schemeClr val="bg1"/>
                 </a:solidFill>
               </a:rPr>
-              <a:t>Телефон с </a:t>
-            </a:r>
-            <a:r>
-              <a:rPr lang="ru-RU">
+              <a:t>Телефон с доступом к </a:t>
+            </a:r>
+            <a:r>
+              <a:rPr lang="ru-RU" dirty="0" err="1">
                 <a:solidFill>
                   <a:schemeClr val="bg1"/>
                 </a:solidFill>
               </a:rPr>
-              <a:t>доступом к Wi</a:t>
+              <a:t>Wi</a:t>
             </a:r>
             <a:r>
               <a:rPr lang="ru-RU" dirty="0">
@@ -5840,14 +5840,20 @@
           <a:p>
             <a:pPr algn="ctr"/>
             <a:r>
-              <a:rPr lang="ru-RU" b="1" i="1" dirty="0">
+              <a:rPr lang="ru-RU" b="1" i="1">
                 <a:solidFill>
                   <a:schemeClr val="bg1"/>
                 </a:solidFill>
                 <a:latin typeface="Arial Black" panose="020B0A04020102020204" pitchFamily="34" charset="0"/>
               </a:rPr>
-              <a:t>Сам сайт</a:t>
-            </a:r>
+              <a:t>Наше устройство</a:t>
+            </a:r>
+            <a:endParaRPr lang="ru-RU" b="1" i="1" dirty="0">
+              <a:solidFill>
+                <a:schemeClr val="bg1"/>
+              </a:solidFill>
+              <a:latin typeface="Arial Black" panose="020B0A04020102020204" pitchFamily="34" charset="0"/>
+            </a:endParaRPr>
           </a:p>
         </p:txBody>
       </p:sp>
